--- a/Iteration_2/架构设计部署/架构设计部署.pptx
+++ b/Iteration_2/架构设计部署/架构设计部署.pptx
@@ -5,17 +5,17 @@
     <p:sldMasterId id="2147483648" r:id="rId1"/>
   </p:sldMasterIdLst>
   <p:notesMasterIdLst>
-    <p:notesMasterId r:id="rId9"/>
+    <p:notesMasterId r:id="rId8"/>
   </p:notesMasterIdLst>
   <p:sldIdLst>
     <p:sldId id="256" r:id="rId3"/>
-    <p:sldId id="257" r:id="rId4"/>
-    <p:sldId id="258" r:id="rId5"/>
-    <p:sldId id="259" r:id="rId6"/>
-    <p:sldId id="260" r:id="rId7"/>
-    <p:sldId id="263" r:id="rId8"/>
-    <p:sldId id="262" r:id="rId10"/>
-    <p:sldId id="265" r:id="rId11"/>
+    <p:sldId id="258" r:id="rId4"/>
+    <p:sldId id="259" r:id="rId5"/>
+    <p:sldId id="260" r:id="rId6"/>
+    <p:sldId id="263" r:id="rId7"/>
+    <p:sldId id="262" r:id="rId9"/>
+    <p:sldId id="265" r:id="rId10"/>
+    <p:sldId id="268" r:id="rId11"/>
     <p:sldId id="264" r:id="rId12"/>
     <p:sldId id="266" r:id="rId13"/>
   </p:sldIdLst>
@@ -3060,7 +3060,20 @@
           <a:bodyPr/>
           <a:p>
             <a:r>
-              <a:rPr lang="zh-CN" altLang="en-US"/>
+              <a:rPr lang="zh-CN" altLang="en-US">
+                <a:sym typeface="+mn-ea"/>
+              </a:rPr>
+              <a:t>为您讲讲我们系统架构的演变故事</a:t>
+            </a:r>
+            <a:endParaRPr lang="zh-CN" altLang="en-US">
+              <a:sym typeface="+mn-ea"/>
+            </a:endParaRPr>
+          </a:p>
+          <a:p>
+            <a:r>
+              <a:rPr lang="zh-CN" altLang="en-US">
+                <a:sym typeface="+mn-ea"/>
+              </a:rPr>
               <a:t>讲解：陆放明</a:t>
             </a:r>
             <a:endParaRPr lang="zh-CN" altLang="en-US"/>
@@ -3156,28 +3169,30 @@
         <p:nvPr/>
       </p:nvGrpSpPr>
       <p:grpSpPr/>
-      <p:sp>
-        <p:nvSpPr>
-          <p:cNvPr id="2" name="标题 1"/>
-          <p:cNvSpPr>
-            <a:spLocks noGrp="1"/>
-          </p:cNvSpPr>
-          <p:nvPr>
-            <p:ph type="title"/>
-          </p:nvPr>
-        </p:nvSpPr>
-        <p:spPr/>
-        <p:txBody>
-          <a:bodyPr/>
-          <a:p>
-            <a:r>
-              <a:rPr lang="zh-CN" altLang="en-US"/>
-              <a:t>为您讲讲我们系统架构的演变故事</a:t>
-            </a:r>
-            <a:endParaRPr lang="zh-CN" altLang="en-US"/>
-          </a:p>
-        </p:txBody>
-      </p:sp>
+      <p:pic>
+        <p:nvPicPr>
+          <p:cNvPr id="4" name="图片 3" descr="迭代一架构"/>
+          <p:cNvPicPr>
+            <a:picLocks noChangeAspect="1"/>
+          </p:cNvPicPr>
+          <p:nvPr/>
+        </p:nvPicPr>
+        <p:blipFill>
+          <a:blip r:embed="rId1"/>
+          <a:stretch>
+            <a:fillRect/>
+          </a:stretch>
+        </p:blipFill>
+        <p:spPr>
+          <a:xfrm>
+            <a:off x="2363470" y="365125"/>
+            <a:ext cx="8665845" cy="6284595"/>
+          </a:xfrm>
+          <a:prstGeom prst="rect">
+            <a:avLst/>
+          </a:prstGeom>
+        </p:spPr>
+      </p:pic>
     </p:spTree>
   </p:cSld>
   <p:clrMapOvr>
@@ -3210,42 +3225,23 @@
         <p:txBody>
           <a:bodyPr/>
           <a:p>
-            <a:endParaRPr lang="zh-CN" altLang="en-US"/>
-          </a:p>
-        </p:txBody>
-      </p:sp>
-      <p:sp>
-        <p:nvSpPr>
-          <p:cNvPr id="3" name="内容占位符 2"/>
-          <p:cNvSpPr>
-            <a:spLocks noGrp="1"/>
-          </p:cNvSpPr>
-          <p:nvPr>
-            <p:ph idx="1"/>
-          </p:nvPr>
-        </p:nvSpPr>
-        <p:spPr/>
-        <p:txBody>
-          <a:bodyPr/>
-          <a:p>
-            <a:r>
-              <a:rPr lang="en-US" altLang="zh-CN"/>
-              <a:t>Single RESTful</a:t>
-            </a:r>
-            <a:endParaRPr lang="en-US" altLang="zh-CN"/>
-          </a:p>
-          <a:p>
-            <a:endParaRPr lang="en-US" altLang="zh-CN"/>
+            <a:r>
+              <a:rPr lang="zh-CN" altLang="en-US"/>
+              <a:t>迭代一的构思</a:t>
+            </a:r>
+            <a:endParaRPr lang="zh-CN" altLang="en-US"/>
           </a:p>
         </p:txBody>
       </p:sp>
       <p:pic>
         <p:nvPicPr>
-          <p:cNvPr id="4" name="图片 3" descr="迭代一架构"/>
+          <p:cNvPr id="5" name="内容占位符 4" descr="迭代一整体"/>
           <p:cNvPicPr>
             <a:picLocks noChangeAspect="1"/>
           </p:cNvPicPr>
-          <p:nvPr/>
+          <p:nvPr>
+            <p:ph idx="1"/>
+          </p:nvPr>
         </p:nvPicPr>
         <p:blipFill>
           <a:blip r:embed="rId1"/>
@@ -3255,14 +3251,51 @@
         </p:blipFill>
         <p:spPr>
           <a:xfrm>
-            <a:off x="1763395" y="365125"/>
-            <a:ext cx="8665845" cy="6284595"/>
+            <a:off x="2267585" y="1285240"/>
+            <a:ext cx="8044815" cy="5432425"/>
           </a:xfrm>
           <a:prstGeom prst="rect">
             <a:avLst/>
           </a:prstGeom>
         </p:spPr>
       </p:pic>
+      <p:sp>
+        <p:nvSpPr>
+          <p:cNvPr id="3" name="文本框 2"/>
+          <p:cNvSpPr txBox="1"/>
+          <p:nvPr/>
+        </p:nvSpPr>
+        <p:spPr>
+          <a:xfrm>
+            <a:off x="2757805" y="1679575"/>
+            <a:ext cx="2378075" cy="368300"/>
+          </a:xfrm>
+          <a:prstGeom prst="rect">
+            <a:avLst/>
+          </a:prstGeom>
+          <a:noFill/>
+        </p:spPr>
+        <p:txBody>
+          <a:bodyPr wrap="square" rtlCol="0">
+            <a:spAutoFit/>
+          </a:bodyPr>
+          <a:p>
+            <a:r>
+              <a:rPr lang="en-US" altLang="zh-CN">
+                <a:solidFill>
+                  <a:srgbClr val="FF0000"/>
+                </a:solidFill>
+              </a:rPr>
+              <a:t>Restful</a:t>
+            </a:r>
+            <a:endParaRPr lang="en-US" altLang="zh-CN">
+              <a:solidFill>
+                <a:srgbClr val="FF0000"/>
+              </a:solidFill>
+            </a:endParaRPr>
+          </a:p>
+        </p:txBody>
+      </p:sp>
     </p:spTree>
   </p:cSld>
   <p:clrMapOvr>
@@ -3297,43 +3330,305 @@
           <a:p>
             <a:r>
               <a:rPr lang="zh-CN" altLang="en-US"/>
-              <a:t>迭代一的构思</a:t>
-            </a:r>
-            <a:endParaRPr lang="zh-CN" altLang="en-US"/>
-          </a:p>
-        </p:txBody>
-      </p:sp>
-      <p:pic>
-        <p:nvPicPr>
-          <p:cNvPr id="5" name="内容占位符 4" descr="迭代一整体"/>
-          <p:cNvPicPr>
-            <a:picLocks noChangeAspect="1"/>
-          </p:cNvPicPr>
+              <a:t>对于问题的改进</a:t>
+            </a:r>
+            <a:endParaRPr lang="zh-CN" altLang="en-US"/>
+          </a:p>
+        </p:txBody>
+      </p:sp>
+      <p:sp>
+        <p:nvSpPr>
+          <p:cNvPr id="3" name="内容占位符 2"/>
+          <p:cNvSpPr>
+            <a:spLocks noGrp="1"/>
+          </p:cNvSpPr>
           <p:nvPr>
             <p:ph idx="1"/>
           </p:nvPr>
-        </p:nvPicPr>
-        <p:blipFill>
-          <a:blip r:embed="rId1"/>
-          <a:stretch>
-            <a:fillRect/>
-          </a:stretch>
-        </p:blipFill>
-        <p:spPr>
-          <a:xfrm>
-            <a:off x="2267585" y="1285240"/>
-            <a:ext cx="8044815" cy="5432425"/>
-          </a:xfrm>
-          <a:prstGeom prst="rect">
-            <a:avLst/>
-          </a:prstGeom>
-        </p:spPr>
-      </p:pic>
+        </p:nvSpPr>
+        <p:spPr/>
+        <p:txBody>
+          <a:bodyPr/>
+          <a:p>
+            <a:r>
+              <a:rPr lang="zh-CN" altLang="en-US"/>
+              <a:t>网关与服务之间的</a:t>
+            </a:r>
+            <a:r>
+              <a:rPr lang="en-US" altLang="zh-CN"/>
+              <a:t>RPC</a:t>
+            </a:r>
+            <a:r>
+              <a:rPr lang="zh-CN" altLang="en-US"/>
+              <a:t>协议</a:t>
+            </a:r>
+            <a:endParaRPr lang="zh-CN" altLang="en-US"/>
+          </a:p>
+          <a:p>
+            <a:r>
+              <a:rPr lang="en-US" altLang="zh-CN">
+                <a:sym typeface="+mn-ea"/>
+              </a:rPr>
+              <a:t>Nacos</a:t>
+            </a:r>
+            <a:r>
+              <a:rPr lang="zh-CN" altLang="en-US">
+                <a:sym typeface="+mn-ea"/>
+              </a:rPr>
+              <a:t>一次性代替 </a:t>
+            </a:r>
+            <a:r>
+              <a:rPr lang="en-US" altLang="zh-CN">
+                <a:sym typeface="+mn-ea"/>
+              </a:rPr>
+              <a:t>Config Server </a:t>
+            </a:r>
+            <a:r>
+              <a:rPr lang="zh-CN" altLang="en-US">
+                <a:sym typeface="+mn-ea"/>
+              </a:rPr>
+              <a:t>和 </a:t>
+            </a:r>
+            <a:r>
+              <a:rPr lang="en-US" altLang="zh-CN">
+                <a:sym typeface="+mn-ea"/>
+              </a:rPr>
+              <a:t>Eureka Center</a:t>
+            </a:r>
+            <a:endParaRPr lang="en-US" altLang="zh-CN">
+              <a:sym typeface="+mn-ea"/>
+            </a:endParaRPr>
+          </a:p>
+          <a:p>
+            <a:r>
+              <a:rPr lang="zh-CN" altLang="en-US"/>
+              <a:t>为什么：单个物理机资源有限，尽可能减少不必要的容器</a:t>
+            </a:r>
+            <a:endParaRPr lang="zh-CN" altLang="en-US"/>
+          </a:p>
+        </p:txBody>
+      </p:sp>
     </p:spTree>
   </p:cSld>
   <p:clrMapOvr>
     <a:masterClrMapping/>
   </p:clrMapOvr>
+  <p:timing>
+    <p:tnLst>
+      <p:par>
+        <p:cTn id="1" dur="indefinite" restart="never" nodeType="tmRoot">
+          <p:childTnLst>
+            <p:seq concurrent="1" nextAc="seek">
+              <p:cTn id="2" dur="indefinite" nodeType="mainSeq">
+                <p:childTnLst>
+                  <p:par>
+                    <p:cTn id="3" fill="hold">
+                      <p:stCondLst>
+                        <p:cond delay="indefinite"/>
+                      </p:stCondLst>
+                      <p:childTnLst>
+                        <p:par>
+                          <p:cTn id="4" fill="hold">
+                            <p:stCondLst>
+                              <p:cond delay="0"/>
+                            </p:stCondLst>
+                            <p:childTnLst>
+                              <p:par>
+                                <p:cTn id="5" presetID="3" presetClass="entr" presetSubtype="10" fill="hold" grpId="0" nodeType="clickEffect">
+                                  <p:stCondLst>
+                                    <p:cond delay="0"/>
+                                  </p:stCondLst>
+                                  <p:childTnLst>
+                                    <p:set>
+                                      <p:cBhvr>
+                                        <p:cTn id="6" dur="1" fill="hold">
+                                          <p:stCondLst>
+                                            <p:cond delay="0"/>
+                                          </p:stCondLst>
+                                        </p:cTn>
+                                        <p:tgtEl>
+                                          <p:spTgt spid="3">
+                                            <p:txEl>
+                                              <p:pRg st="0" end="0"/>
+                                            </p:txEl>
+                                          </p:spTgt>
+                                        </p:tgtEl>
+                                        <p:attrNameLst>
+                                          <p:attrName>style.visibility</p:attrName>
+                                        </p:attrNameLst>
+                                      </p:cBhvr>
+                                      <p:to>
+                                        <p:strVal val="visible"/>
+                                      </p:to>
+                                    </p:set>
+                                    <p:animEffect transition="in" filter="blinds(horizontal)">
+                                      <p:cBhvr>
+                                        <p:cTn id="7" dur="500"/>
+                                        <p:tgtEl>
+                                          <p:spTgt spid="3">
+                                            <p:txEl>
+                                              <p:pRg st="0" end="0"/>
+                                            </p:txEl>
+                                          </p:spTgt>
+                                        </p:tgtEl>
+                                      </p:cBhvr>
+                                    </p:animEffect>
+                                  </p:childTnLst>
+                                </p:cTn>
+                              </p:par>
+                            </p:childTnLst>
+                          </p:cTn>
+                        </p:par>
+                      </p:childTnLst>
+                    </p:cTn>
+                  </p:par>
+                  <p:par>
+                    <p:cTn id="8" fill="hold">
+                      <p:stCondLst>
+                        <p:cond delay="indefinite"/>
+                      </p:stCondLst>
+                      <p:childTnLst>
+                        <p:par>
+                          <p:cTn id="9" fill="hold">
+                            <p:stCondLst>
+                              <p:cond delay="0"/>
+                            </p:stCondLst>
+                            <p:childTnLst>
+                              <p:par>
+                                <p:cTn id="10" presetID="3" presetClass="entr" presetSubtype="10" fill="hold" grpId="0" nodeType="clickEffect">
+                                  <p:stCondLst>
+                                    <p:cond delay="0"/>
+                                  </p:stCondLst>
+                                  <p:childTnLst>
+                                    <p:set>
+                                      <p:cBhvr>
+                                        <p:cTn id="11" dur="1" fill="hold">
+                                          <p:stCondLst>
+                                            <p:cond delay="0"/>
+                                          </p:stCondLst>
+                                        </p:cTn>
+                                        <p:tgtEl>
+                                          <p:spTgt spid="3">
+                                            <p:txEl>
+                                              <p:pRg st="1" end="1"/>
+                                            </p:txEl>
+                                          </p:spTgt>
+                                        </p:tgtEl>
+                                        <p:attrNameLst>
+                                          <p:attrName>style.visibility</p:attrName>
+                                        </p:attrNameLst>
+                                      </p:cBhvr>
+                                      <p:to>
+                                        <p:strVal val="visible"/>
+                                      </p:to>
+                                    </p:set>
+                                    <p:animEffect transition="in" filter="blinds(horizontal)">
+                                      <p:cBhvr>
+                                        <p:cTn id="12" dur="500"/>
+                                        <p:tgtEl>
+                                          <p:spTgt spid="3">
+                                            <p:txEl>
+                                              <p:pRg st="1" end="1"/>
+                                            </p:txEl>
+                                          </p:spTgt>
+                                        </p:tgtEl>
+                                      </p:cBhvr>
+                                    </p:animEffect>
+                                  </p:childTnLst>
+                                </p:cTn>
+                              </p:par>
+                            </p:childTnLst>
+                          </p:cTn>
+                        </p:par>
+                      </p:childTnLst>
+                    </p:cTn>
+                  </p:par>
+                  <p:par>
+                    <p:cTn id="13" fill="hold">
+                      <p:stCondLst>
+                        <p:cond delay="indefinite"/>
+                      </p:stCondLst>
+                      <p:childTnLst>
+                        <p:par>
+                          <p:cTn id="14" fill="hold">
+                            <p:stCondLst>
+                              <p:cond delay="0"/>
+                            </p:stCondLst>
+                            <p:childTnLst>
+                              <p:par>
+                                <p:cTn id="15" presetID="3" presetClass="entr" presetSubtype="10" fill="hold" grpId="0" nodeType="clickEffect">
+                                  <p:stCondLst>
+                                    <p:cond delay="0"/>
+                                  </p:stCondLst>
+                                  <p:childTnLst>
+                                    <p:set>
+                                      <p:cBhvr>
+                                        <p:cTn id="16" dur="1" fill="hold">
+                                          <p:stCondLst>
+                                            <p:cond delay="0"/>
+                                          </p:stCondLst>
+                                        </p:cTn>
+                                        <p:tgtEl>
+                                          <p:spTgt spid="3">
+                                            <p:txEl>
+                                              <p:pRg st="2" end="2"/>
+                                            </p:txEl>
+                                          </p:spTgt>
+                                        </p:tgtEl>
+                                        <p:attrNameLst>
+                                          <p:attrName>style.visibility</p:attrName>
+                                        </p:attrNameLst>
+                                      </p:cBhvr>
+                                      <p:to>
+                                        <p:strVal val="visible"/>
+                                      </p:to>
+                                    </p:set>
+                                    <p:animEffect transition="in" filter="blinds(horizontal)">
+                                      <p:cBhvr>
+                                        <p:cTn id="17" dur="500"/>
+                                        <p:tgtEl>
+                                          <p:spTgt spid="3">
+                                            <p:txEl>
+                                              <p:pRg st="2" end="2"/>
+                                            </p:txEl>
+                                          </p:spTgt>
+                                        </p:tgtEl>
+                                      </p:cBhvr>
+                                    </p:animEffect>
+                                  </p:childTnLst>
+                                </p:cTn>
+                              </p:par>
+                            </p:childTnLst>
+                          </p:cTn>
+                        </p:par>
+                      </p:childTnLst>
+                    </p:cTn>
+                  </p:par>
+                </p:childTnLst>
+              </p:cTn>
+              <p:prevCondLst>
+                <p:cond evt="onPrev" delay="0">
+                  <p:tgtEl>
+                    <p:sldTgt/>
+                  </p:tgtEl>
+                </p:cond>
+              </p:prevCondLst>
+              <p:nextCondLst>
+                <p:cond evt="onNext" delay="0">
+                  <p:tgtEl>
+                    <p:sldTgt/>
+                  </p:tgtEl>
+                </p:cond>
+              </p:nextCondLst>
+            </p:seq>
+          </p:childTnLst>
+        </p:cTn>
+      </p:par>
+    </p:tnLst>
+    <p:bldLst>
+      <p:bldP spid="3" grpId="0" build="p"/>
+    </p:bldLst>
+  </p:timing>
 </p:sld>
 </file>
 
@@ -3347,154 +3642,6 @@
         <p:nvPr/>
       </p:nvGrpSpPr>
       <p:grpSpPr/>
-      <p:sp>
-        <p:nvSpPr>
-          <p:cNvPr id="2" name="标题 1"/>
-          <p:cNvSpPr>
-            <a:spLocks noGrp="1"/>
-          </p:cNvSpPr>
-          <p:nvPr>
-            <p:ph type="title"/>
-          </p:nvPr>
-        </p:nvSpPr>
-        <p:spPr/>
-        <p:txBody>
-          <a:bodyPr/>
-          <a:p>
-            <a:r>
-              <a:rPr lang="zh-CN" altLang="en-US"/>
-              <a:t>对于问题的改进</a:t>
-            </a:r>
-            <a:endParaRPr lang="zh-CN" altLang="en-US"/>
-          </a:p>
-        </p:txBody>
-      </p:sp>
-      <p:sp>
-        <p:nvSpPr>
-          <p:cNvPr id="3" name="内容占位符 2"/>
-          <p:cNvSpPr>
-            <a:spLocks noGrp="1"/>
-          </p:cNvSpPr>
-          <p:nvPr>
-            <p:ph idx="1"/>
-          </p:nvPr>
-        </p:nvSpPr>
-        <p:spPr/>
-        <p:txBody>
-          <a:bodyPr/>
-          <a:p>
-            <a:r>
-              <a:rPr lang="zh-CN" altLang="en-US"/>
-              <a:t>网关与服务之间的</a:t>
-            </a:r>
-            <a:r>
-              <a:rPr lang="en-US" altLang="zh-CN"/>
-              <a:t>RPC</a:t>
-            </a:r>
-            <a:r>
-              <a:rPr lang="zh-CN" altLang="en-US"/>
-              <a:t>协议</a:t>
-            </a:r>
-            <a:endParaRPr lang="zh-CN" altLang="en-US"/>
-          </a:p>
-          <a:p>
-            <a:r>
-              <a:rPr lang="en-US" altLang="zh-CN">
-                <a:sym typeface="+mn-ea"/>
-              </a:rPr>
-              <a:t>Nacos</a:t>
-            </a:r>
-            <a:r>
-              <a:rPr lang="zh-CN" altLang="en-US">
-                <a:sym typeface="+mn-ea"/>
-              </a:rPr>
-              <a:t>一次性代替 </a:t>
-            </a:r>
-            <a:r>
-              <a:rPr lang="en-US" altLang="zh-CN">
-                <a:sym typeface="+mn-ea"/>
-              </a:rPr>
-              <a:t>Config Server </a:t>
-            </a:r>
-            <a:r>
-              <a:rPr lang="zh-CN" altLang="en-US">
-                <a:sym typeface="+mn-ea"/>
-              </a:rPr>
-              <a:t>和 </a:t>
-            </a:r>
-            <a:r>
-              <a:rPr lang="en-US" altLang="zh-CN">
-                <a:sym typeface="+mn-ea"/>
-              </a:rPr>
-              <a:t>Eureka Center</a:t>
-            </a:r>
-            <a:endParaRPr lang="en-US" altLang="zh-CN">
-              <a:sym typeface="+mn-ea"/>
-            </a:endParaRPr>
-          </a:p>
-          <a:p>
-            <a:r>
-              <a:rPr lang="zh-CN" altLang="en-US"/>
-              <a:t>为什么：单个物理机资源有限，尽可能减少不必要的容器</a:t>
-            </a:r>
-            <a:endParaRPr lang="zh-CN" altLang="en-US"/>
-          </a:p>
-        </p:txBody>
-      </p:sp>
-    </p:spTree>
-  </p:cSld>
-  <p:clrMapOvr>
-    <a:masterClrMapping/>
-  </p:clrMapOvr>
-</p:sld>
-</file>
-
-<file path=ppt/slides/slide6.xml><?xml version="1.0" encoding="utf-8"?>
-<p:sld xmlns:a="http://schemas.openxmlformats.org/drawingml/2006/main" xmlns:r="http://schemas.openxmlformats.org/officeDocument/2006/relationships" xmlns:p="http://schemas.openxmlformats.org/presentationml/2006/main">
-  <p:cSld>
-    <p:spTree>
-      <p:nvGrpSpPr>
-        <p:cNvPr id="1" name=""/>
-        <p:cNvGrpSpPr/>
-        <p:nvPr/>
-      </p:nvGrpSpPr>
-      <p:grpSpPr/>
-      <p:sp>
-        <p:nvSpPr>
-          <p:cNvPr id="2" name="标题 1"/>
-          <p:cNvSpPr>
-            <a:spLocks noGrp="1"/>
-          </p:cNvSpPr>
-          <p:nvPr>
-            <p:ph type="title"/>
-          </p:nvPr>
-        </p:nvSpPr>
-        <p:spPr/>
-        <p:txBody>
-          <a:bodyPr/>
-          <a:p>
-            <a:endParaRPr lang="zh-CN" altLang="en-US"/>
-          </a:p>
-        </p:txBody>
-      </p:sp>
-      <p:sp>
-        <p:nvSpPr>
-          <p:cNvPr id="3" name="内容占位符 2"/>
-          <p:cNvSpPr>
-            <a:spLocks noGrp="1"/>
-          </p:cNvSpPr>
-          <p:nvPr>
-            <p:ph idx="1"/>
-          </p:nvPr>
-        </p:nvSpPr>
-        <p:spPr/>
-        <p:txBody>
-          <a:bodyPr/>
-          <a:p>
-            <a:endParaRPr lang="zh-CN" altLang="en-US"/>
-          </a:p>
-        </p:txBody>
-      </p:sp>
       <p:pic>
         <p:nvPicPr>
           <p:cNvPr id="4" name="图片 3" descr="迭代二设计 1"/>
@@ -3558,7 +3705,7 @@
 </p:sld>
 </file>
 
-<file path=ppt/slides/slide7.xml><?xml version="1.0" encoding="utf-8"?>
+<file path=ppt/slides/slide6.xml><?xml version="1.0" encoding="utf-8"?>
 <p:sld xmlns:a="http://schemas.openxmlformats.org/drawingml/2006/main" xmlns:r="http://schemas.openxmlformats.org/officeDocument/2006/relationships" xmlns:p="http://schemas.openxmlformats.org/presentationml/2006/main">
   <p:cSld>
     <p:spTree>
@@ -3661,6 +3808,567 @@
 </p:sld>
 </file>
 
+<file path=ppt/slides/slide7.xml><?xml version="1.0" encoding="utf-8"?>
+<p:sld xmlns:a="http://schemas.openxmlformats.org/drawingml/2006/main" xmlns:r="http://schemas.openxmlformats.org/officeDocument/2006/relationships" xmlns:p="http://schemas.openxmlformats.org/presentationml/2006/main">
+  <p:cSld>
+    <p:spTree>
+      <p:nvGrpSpPr>
+        <p:cNvPr id="1" name=""/>
+        <p:cNvGrpSpPr/>
+        <p:nvPr/>
+      </p:nvGrpSpPr>
+      <p:grpSpPr/>
+      <p:sp>
+        <p:nvSpPr>
+          <p:cNvPr id="2" name="标题 1"/>
+          <p:cNvSpPr>
+            <a:spLocks noGrp="1"/>
+          </p:cNvSpPr>
+          <p:nvPr>
+            <p:ph type="title"/>
+          </p:nvPr>
+        </p:nvSpPr>
+        <p:spPr/>
+        <p:txBody>
+          <a:bodyPr/>
+          <a:p>
+            <a:r>
+              <a:rPr lang="zh-CN" altLang="en-US"/>
+              <a:t>其他一些零碎的小插曲</a:t>
+            </a:r>
+            <a:endParaRPr lang="zh-CN" altLang="en-US"/>
+          </a:p>
+        </p:txBody>
+      </p:sp>
+      <p:sp>
+        <p:nvSpPr>
+          <p:cNvPr id="3" name="内容占位符 2"/>
+          <p:cNvSpPr>
+            <a:spLocks noGrp="1"/>
+          </p:cNvSpPr>
+          <p:nvPr>
+            <p:ph idx="1"/>
+          </p:nvPr>
+        </p:nvSpPr>
+        <p:spPr/>
+        <p:txBody>
+          <a:bodyPr/>
+          <a:p>
+            <a:r>
+              <a:rPr lang="en-US" altLang="zh-CN"/>
+              <a:t>OOM</a:t>
+            </a:r>
+            <a:endParaRPr lang="zh-CN" altLang="en-US"/>
+          </a:p>
+          <a:p>
+            <a:pPr lvl="1"/>
+            <a:r>
+              <a:rPr lang="en-US" altLang="zh-CN" sz="2400"/>
+              <a:t>Jenkins</a:t>
+            </a:r>
+            <a:r>
+              <a:rPr lang="zh-CN" altLang="en-US" sz="2400"/>
+              <a:t>死机</a:t>
+            </a:r>
+            <a:endParaRPr lang="zh-CN" altLang="en-US" sz="2400"/>
+          </a:p>
+          <a:p>
+            <a:pPr lvl="1"/>
+            <a:r>
+              <a:rPr lang="zh-CN" altLang="en-US" sz="2400"/>
+              <a:t>静态变量滥用</a:t>
+            </a:r>
+            <a:endParaRPr lang="zh-CN" altLang="en-US" sz="2400"/>
+          </a:p>
+          <a:p>
+            <a:pPr lvl="1"/>
+            <a:r>
+              <a:rPr lang="zh-CN" altLang="en-US">
+                <a:sym typeface="+mn-ea"/>
+              </a:rPr>
+              <a:t>逃逸分析</a:t>
+            </a:r>
+            <a:endParaRPr lang="zh-CN" altLang="en-US"/>
+          </a:p>
+          <a:p>
+            <a:r>
+              <a:rPr lang="en-US" altLang="zh-CN"/>
+              <a:t>redis</a:t>
+            </a:r>
+            <a:r>
+              <a:rPr lang="zh-CN" altLang="en-US"/>
+              <a:t>缓存序列化与反序列化</a:t>
+            </a:r>
+            <a:endParaRPr lang="zh-CN" altLang="en-US"/>
+          </a:p>
+          <a:p>
+            <a:r>
+              <a:rPr lang="zh-CN" altLang="en-US"/>
+              <a:t>进一步性能优化</a:t>
+            </a:r>
+            <a:endParaRPr lang="zh-CN" altLang="en-US"/>
+          </a:p>
+          <a:p>
+            <a:pPr lvl="1"/>
+            <a:r>
+              <a:rPr lang="zh-CN" altLang="en-US"/>
+              <a:t>分析型数据持久化</a:t>
+            </a:r>
+            <a:endParaRPr lang="zh-CN" altLang="en-US"/>
+          </a:p>
+          <a:p>
+            <a:pPr lvl="1"/>
+            <a:r>
+              <a:rPr lang="zh-CN" altLang="en-US"/>
+              <a:t>线程池与异步调用</a:t>
+            </a:r>
+            <a:endParaRPr lang="zh-CN" altLang="en-US"/>
+          </a:p>
+          <a:p>
+            <a:pPr lvl="1"/>
+            <a:endParaRPr lang="zh-CN" altLang="en-US"/>
+          </a:p>
+        </p:txBody>
+      </p:sp>
+    </p:spTree>
+  </p:cSld>
+  <p:clrMapOvr>
+    <a:masterClrMapping/>
+  </p:clrMapOvr>
+  <p:timing>
+    <p:tnLst>
+      <p:par>
+        <p:cTn id="1" dur="indefinite" restart="never" nodeType="tmRoot">
+          <p:childTnLst>
+            <p:seq concurrent="1" nextAc="seek">
+              <p:cTn id="2" dur="indefinite" nodeType="mainSeq">
+                <p:childTnLst>
+                  <p:par>
+                    <p:cTn id="3" fill="hold">
+                      <p:stCondLst>
+                        <p:cond delay="indefinite"/>
+                      </p:stCondLst>
+                      <p:childTnLst>
+                        <p:par>
+                          <p:cTn id="4" fill="hold">
+                            <p:stCondLst>
+                              <p:cond delay="0"/>
+                            </p:stCondLst>
+                            <p:childTnLst>
+                              <p:par>
+                                <p:cTn id="5" presetID="3" presetClass="entr" presetSubtype="10" fill="hold" grpId="0" nodeType="clickEffect">
+                                  <p:stCondLst>
+                                    <p:cond delay="0"/>
+                                  </p:stCondLst>
+                                  <p:childTnLst>
+                                    <p:set>
+                                      <p:cBhvr>
+                                        <p:cTn id="6" dur="1" fill="hold">
+                                          <p:stCondLst>
+                                            <p:cond delay="0"/>
+                                          </p:stCondLst>
+                                        </p:cTn>
+                                        <p:tgtEl>
+                                          <p:spTgt spid="3">
+                                            <p:txEl>
+                                              <p:pRg st="0" end="0"/>
+                                            </p:txEl>
+                                          </p:spTgt>
+                                        </p:tgtEl>
+                                        <p:attrNameLst>
+                                          <p:attrName>style.visibility</p:attrName>
+                                        </p:attrNameLst>
+                                      </p:cBhvr>
+                                      <p:to>
+                                        <p:strVal val="visible"/>
+                                      </p:to>
+                                    </p:set>
+                                    <p:animEffect transition="in" filter="blinds(horizontal)">
+                                      <p:cBhvr>
+                                        <p:cTn id="7" dur="500"/>
+                                        <p:tgtEl>
+                                          <p:spTgt spid="3">
+                                            <p:txEl>
+                                              <p:pRg st="0" end="0"/>
+                                            </p:txEl>
+                                          </p:spTgt>
+                                        </p:tgtEl>
+                                      </p:cBhvr>
+                                    </p:animEffect>
+                                  </p:childTnLst>
+                                </p:cTn>
+                              </p:par>
+                              <p:par>
+                                <p:cTn id="8" presetID="3" presetClass="entr" presetSubtype="10" fill="hold" grpId="0" nodeType="withEffect">
+                                  <p:stCondLst>
+                                    <p:cond delay="0"/>
+                                  </p:stCondLst>
+                                  <p:childTnLst>
+                                    <p:set>
+                                      <p:cBhvr>
+                                        <p:cTn id="9" dur="1" fill="hold">
+                                          <p:stCondLst>
+                                            <p:cond delay="0"/>
+                                          </p:stCondLst>
+                                        </p:cTn>
+                                        <p:tgtEl>
+                                          <p:spTgt spid="3">
+                                            <p:txEl>
+                                              <p:pRg st="1" end="1"/>
+                                            </p:txEl>
+                                          </p:spTgt>
+                                        </p:tgtEl>
+                                        <p:attrNameLst>
+                                          <p:attrName>style.visibility</p:attrName>
+                                        </p:attrNameLst>
+                                      </p:cBhvr>
+                                      <p:to>
+                                        <p:strVal val="visible"/>
+                                      </p:to>
+                                    </p:set>
+                                    <p:animEffect transition="in" filter="blinds(horizontal)">
+                                      <p:cBhvr>
+                                        <p:cTn id="10" dur="500"/>
+                                        <p:tgtEl>
+                                          <p:spTgt spid="3">
+                                            <p:txEl>
+                                              <p:pRg st="1" end="1"/>
+                                            </p:txEl>
+                                          </p:spTgt>
+                                        </p:tgtEl>
+                                      </p:cBhvr>
+                                    </p:animEffect>
+                                  </p:childTnLst>
+                                </p:cTn>
+                              </p:par>
+                              <p:par>
+                                <p:cTn id="11" presetID="3" presetClass="entr" presetSubtype="10" fill="hold" grpId="0" nodeType="withEffect">
+                                  <p:stCondLst>
+                                    <p:cond delay="0"/>
+                                  </p:stCondLst>
+                                  <p:childTnLst>
+                                    <p:set>
+                                      <p:cBhvr>
+                                        <p:cTn id="12" dur="1" fill="hold">
+                                          <p:stCondLst>
+                                            <p:cond delay="0"/>
+                                          </p:stCondLst>
+                                        </p:cTn>
+                                        <p:tgtEl>
+                                          <p:spTgt spid="3">
+                                            <p:txEl>
+                                              <p:pRg st="2" end="2"/>
+                                            </p:txEl>
+                                          </p:spTgt>
+                                        </p:tgtEl>
+                                        <p:attrNameLst>
+                                          <p:attrName>style.visibility</p:attrName>
+                                        </p:attrNameLst>
+                                      </p:cBhvr>
+                                      <p:to>
+                                        <p:strVal val="visible"/>
+                                      </p:to>
+                                    </p:set>
+                                    <p:animEffect transition="in" filter="blinds(horizontal)">
+                                      <p:cBhvr>
+                                        <p:cTn id="13" dur="500"/>
+                                        <p:tgtEl>
+                                          <p:spTgt spid="3">
+                                            <p:txEl>
+                                              <p:pRg st="2" end="2"/>
+                                            </p:txEl>
+                                          </p:spTgt>
+                                        </p:tgtEl>
+                                      </p:cBhvr>
+                                    </p:animEffect>
+                                  </p:childTnLst>
+                                </p:cTn>
+                              </p:par>
+                              <p:par>
+                                <p:cTn id="14" presetID="3" presetClass="entr" presetSubtype="10" fill="hold" grpId="0" nodeType="withEffect">
+                                  <p:stCondLst>
+                                    <p:cond delay="0"/>
+                                  </p:stCondLst>
+                                  <p:childTnLst>
+                                    <p:set>
+                                      <p:cBhvr>
+                                        <p:cTn id="15" dur="1" fill="hold">
+                                          <p:stCondLst>
+                                            <p:cond delay="0"/>
+                                          </p:stCondLst>
+                                        </p:cTn>
+                                        <p:tgtEl>
+                                          <p:spTgt spid="3">
+                                            <p:txEl>
+                                              <p:pRg st="3" end="3"/>
+                                            </p:txEl>
+                                          </p:spTgt>
+                                        </p:tgtEl>
+                                        <p:attrNameLst>
+                                          <p:attrName>style.visibility</p:attrName>
+                                        </p:attrNameLst>
+                                      </p:cBhvr>
+                                      <p:to>
+                                        <p:strVal val="visible"/>
+                                      </p:to>
+                                    </p:set>
+                                    <p:animEffect transition="in" filter="blinds(horizontal)">
+                                      <p:cBhvr>
+                                        <p:cTn id="16" dur="500"/>
+                                        <p:tgtEl>
+                                          <p:spTgt spid="3">
+                                            <p:txEl>
+                                              <p:pRg st="3" end="3"/>
+                                            </p:txEl>
+                                          </p:spTgt>
+                                        </p:tgtEl>
+                                      </p:cBhvr>
+                                    </p:animEffect>
+                                  </p:childTnLst>
+                                </p:cTn>
+                              </p:par>
+                            </p:childTnLst>
+                          </p:cTn>
+                        </p:par>
+                      </p:childTnLst>
+                    </p:cTn>
+                  </p:par>
+                  <p:par>
+                    <p:cTn id="17" fill="hold">
+                      <p:stCondLst>
+                        <p:cond delay="indefinite"/>
+                      </p:stCondLst>
+                      <p:childTnLst>
+                        <p:par>
+                          <p:cTn id="18" fill="hold">
+                            <p:stCondLst>
+                              <p:cond delay="0"/>
+                            </p:stCondLst>
+                            <p:childTnLst>
+                              <p:par>
+                                <p:cTn id="19" presetID="3" presetClass="entr" presetSubtype="10" fill="hold" grpId="0" nodeType="clickEffect">
+                                  <p:stCondLst>
+                                    <p:cond delay="0"/>
+                                  </p:stCondLst>
+                                  <p:childTnLst>
+                                    <p:set>
+                                      <p:cBhvr>
+                                        <p:cTn id="20" dur="1" fill="hold">
+                                          <p:stCondLst>
+                                            <p:cond delay="0"/>
+                                          </p:stCondLst>
+                                        </p:cTn>
+                                        <p:tgtEl>
+                                          <p:spTgt spid="3">
+                                            <p:txEl>
+                                              <p:pRg st="4" end="4"/>
+                                            </p:txEl>
+                                          </p:spTgt>
+                                        </p:tgtEl>
+                                        <p:attrNameLst>
+                                          <p:attrName>style.visibility</p:attrName>
+                                        </p:attrNameLst>
+                                      </p:cBhvr>
+                                      <p:to>
+                                        <p:strVal val="visible"/>
+                                      </p:to>
+                                    </p:set>
+                                    <p:animEffect transition="in" filter="blinds(horizontal)">
+                                      <p:cBhvr>
+                                        <p:cTn id="21" dur="500"/>
+                                        <p:tgtEl>
+                                          <p:spTgt spid="3">
+                                            <p:txEl>
+                                              <p:pRg st="4" end="4"/>
+                                            </p:txEl>
+                                          </p:spTgt>
+                                        </p:tgtEl>
+                                      </p:cBhvr>
+                                    </p:animEffect>
+                                  </p:childTnLst>
+                                </p:cTn>
+                              </p:par>
+                            </p:childTnLst>
+                          </p:cTn>
+                        </p:par>
+                      </p:childTnLst>
+                    </p:cTn>
+                  </p:par>
+                  <p:par>
+                    <p:cTn id="22" fill="hold">
+                      <p:stCondLst>
+                        <p:cond delay="indefinite"/>
+                      </p:stCondLst>
+                      <p:childTnLst>
+                        <p:par>
+                          <p:cTn id="23" fill="hold">
+                            <p:stCondLst>
+                              <p:cond delay="0"/>
+                            </p:stCondLst>
+                            <p:childTnLst>
+                              <p:par>
+                                <p:cTn id="24" presetID="3" presetClass="entr" presetSubtype="10" fill="hold" grpId="0" nodeType="clickEffect">
+                                  <p:stCondLst>
+                                    <p:cond delay="0"/>
+                                  </p:stCondLst>
+                                  <p:childTnLst>
+                                    <p:set>
+                                      <p:cBhvr>
+                                        <p:cTn id="25" dur="1" fill="hold">
+                                          <p:stCondLst>
+                                            <p:cond delay="0"/>
+                                          </p:stCondLst>
+                                        </p:cTn>
+                                        <p:tgtEl>
+                                          <p:spTgt spid="3">
+                                            <p:txEl>
+                                              <p:pRg st="5" end="5"/>
+                                            </p:txEl>
+                                          </p:spTgt>
+                                        </p:tgtEl>
+                                        <p:attrNameLst>
+                                          <p:attrName>style.visibility</p:attrName>
+                                        </p:attrNameLst>
+                                      </p:cBhvr>
+                                      <p:to>
+                                        <p:strVal val="visible"/>
+                                      </p:to>
+                                    </p:set>
+                                    <p:animEffect transition="in" filter="blinds(horizontal)">
+                                      <p:cBhvr>
+                                        <p:cTn id="26" dur="500"/>
+                                        <p:tgtEl>
+                                          <p:spTgt spid="3">
+                                            <p:txEl>
+                                              <p:pRg st="5" end="5"/>
+                                            </p:txEl>
+                                          </p:spTgt>
+                                        </p:tgtEl>
+                                      </p:cBhvr>
+                                    </p:animEffect>
+                                  </p:childTnLst>
+                                </p:cTn>
+                              </p:par>
+                              <p:par>
+                                <p:cTn id="27" presetID="3" presetClass="entr" presetSubtype="10" fill="hold" grpId="0" nodeType="withEffect">
+                                  <p:stCondLst>
+                                    <p:cond delay="0"/>
+                                  </p:stCondLst>
+                                  <p:childTnLst>
+                                    <p:set>
+                                      <p:cBhvr>
+                                        <p:cTn id="28" dur="1" fill="hold">
+                                          <p:stCondLst>
+                                            <p:cond delay="0"/>
+                                          </p:stCondLst>
+                                        </p:cTn>
+                                        <p:tgtEl>
+                                          <p:spTgt spid="3">
+                                            <p:txEl>
+                                              <p:pRg st="6" end="6"/>
+                                            </p:txEl>
+                                          </p:spTgt>
+                                        </p:tgtEl>
+                                        <p:attrNameLst>
+                                          <p:attrName>style.visibility</p:attrName>
+                                        </p:attrNameLst>
+                                      </p:cBhvr>
+                                      <p:to>
+                                        <p:strVal val="visible"/>
+                                      </p:to>
+                                    </p:set>
+                                    <p:animEffect transition="in" filter="blinds(horizontal)">
+                                      <p:cBhvr>
+                                        <p:cTn id="29" dur="500"/>
+                                        <p:tgtEl>
+                                          <p:spTgt spid="3">
+                                            <p:txEl>
+                                              <p:pRg st="6" end="6"/>
+                                            </p:txEl>
+                                          </p:spTgt>
+                                        </p:tgtEl>
+                                      </p:cBhvr>
+                                    </p:animEffect>
+                                  </p:childTnLst>
+                                </p:cTn>
+                              </p:par>
+                              <p:par>
+                                <p:cTn id="30" presetID="3" presetClass="entr" presetSubtype="10" fill="hold" grpId="0" nodeType="withEffect">
+                                  <p:stCondLst>
+                                    <p:cond delay="0"/>
+                                  </p:stCondLst>
+                                  <p:childTnLst>
+                                    <p:set>
+                                      <p:cBhvr>
+                                        <p:cTn id="31" dur="1" fill="hold">
+                                          <p:stCondLst>
+                                            <p:cond delay="0"/>
+                                          </p:stCondLst>
+                                        </p:cTn>
+                                        <p:tgtEl>
+                                          <p:spTgt spid="3">
+                                            <p:txEl>
+                                              <p:pRg st="7" end="7"/>
+                                            </p:txEl>
+                                          </p:spTgt>
+                                        </p:tgtEl>
+                                        <p:attrNameLst>
+                                          <p:attrName>style.visibility</p:attrName>
+                                        </p:attrNameLst>
+                                      </p:cBhvr>
+                                      <p:to>
+                                        <p:strVal val="visible"/>
+                                      </p:to>
+                                    </p:set>
+                                    <p:animEffect transition="in" filter="blinds(horizontal)">
+                                      <p:cBhvr>
+                                        <p:cTn id="32" dur="500"/>
+                                        <p:tgtEl>
+                                          <p:spTgt spid="3">
+                                            <p:txEl>
+                                              <p:pRg st="7" end="7"/>
+                                            </p:txEl>
+                                          </p:spTgt>
+                                        </p:tgtEl>
+                                      </p:cBhvr>
+                                    </p:animEffect>
+                                  </p:childTnLst>
+                                </p:cTn>
+                              </p:par>
+                            </p:childTnLst>
+                          </p:cTn>
+                        </p:par>
+                      </p:childTnLst>
+                    </p:cTn>
+                  </p:par>
+                </p:childTnLst>
+              </p:cTn>
+              <p:prevCondLst>
+                <p:cond evt="onPrev" delay="0">
+                  <p:tgtEl>
+                    <p:sldTgt/>
+                  </p:tgtEl>
+                </p:cond>
+              </p:prevCondLst>
+              <p:nextCondLst>
+                <p:cond evt="onNext" delay="0">
+                  <p:tgtEl>
+                    <p:sldTgt/>
+                  </p:tgtEl>
+                </p:cond>
+              </p:nextCondLst>
+            </p:seq>
+          </p:childTnLst>
+        </p:cTn>
+      </p:par>
+    </p:tnLst>
+    <p:bldLst>
+      <p:bldP spid="3" grpId="0" build="p"/>
+    </p:bldLst>
+  </p:timing>
+</p:sld>
+</file>
+
 <file path=ppt/slides/slide8.xml><?xml version="1.0" encoding="utf-8"?>
 <p:sld xmlns:a="http://schemas.openxmlformats.org/drawingml/2006/main" xmlns:r="http://schemas.openxmlformats.org/officeDocument/2006/relationships" xmlns:p="http://schemas.openxmlformats.org/presentationml/2006/main">
   <p:cSld>
@@ -3671,118 +4379,30 @@
         <p:nvPr/>
       </p:nvGrpSpPr>
       <p:grpSpPr/>
-      <p:sp>
-        <p:nvSpPr>
-          <p:cNvPr id="2" name="标题 1"/>
-          <p:cNvSpPr>
-            <a:spLocks noGrp="1"/>
-          </p:cNvSpPr>
-          <p:nvPr>
-            <p:ph type="title"/>
-          </p:nvPr>
-        </p:nvSpPr>
-        <p:spPr/>
-        <p:txBody>
-          <a:bodyPr/>
-          <a:p>
-            <a:r>
-              <a:rPr lang="zh-CN" altLang="en-US"/>
-              <a:t>其他一些零碎的小插曲</a:t>
-            </a:r>
-            <a:endParaRPr lang="zh-CN" altLang="en-US"/>
-          </a:p>
-        </p:txBody>
-      </p:sp>
-      <p:sp>
-        <p:nvSpPr>
-          <p:cNvPr id="3" name="内容占位符 2"/>
-          <p:cNvSpPr>
-            <a:spLocks noGrp="1"/>
-          </p:cNvSpPr>
-          <p:nvPr>
-            <p:ph idx="1"/>
-          </p:nvPr>
-        </p:nvSpPr>
-        <p:spPr/>
-        <p:txBody>
-          <a:bodyPr/>
-          <a:p>
-            <a:r>
-              <a:rPr lang="en-US" altLang="zh-CN"/>
-              <a:t>OOM</a:t>
-            </a:r>
-            <a:endParaRPr lang="zh-CN" altLang="en-US"/>
-          </a:p>
-          <a:p>
-            <a:pPr lvl="1"/>
-            <a:r>
-              <a:rPr lang="en-US" altLang="zh-CN" sz="2400"/>
-              <a:t>Jenkins</a:t>
-            </a:r>
-            <a:r>
-              <a:rPr lang="zh-CN" altLang="en-US" sz="2400"/>
-              <a:t>死机</a:t>
-            </a:r>
-            <a:endParaRPr lang="zh-CN" altLang="en-US" sz="2400"/>
-          </a:p>
-          <a:p>
-            <a:pPr lvl="1"/>
-            <a:r>
-              <a:rPr lang="zh-CN" altLang="en-US" sz="2400"/>
-              <a:t>静态变量滥用</a:t>
-            </a:r>
-            <a:endParaRPr lang="zh-CN" altLang="en-US" sz="2400"/>
-          </a:p>
-          <a:p>
-            <a:pPr lvl="1"/>
-            <a:r>
-              <a:rPr lang="zh-CN" altLang="en-US">
-                <a:sym typeface="+mn-ea"/>
-              </a:rPr>
-              <a:t>逃逸分析</a:t>
-            </a:r>
-            <a:endParaRPr lang="zh-CN" altLang="en-US"/>
-          </a:p>
-          <a:p>
-            <a:r>
-              <a:rPr lang="en-US" altLang="zh-CN"/>
-              <a:t>redis</a:t>
-            </a:r>
-            <a:r>
-              <a:rPr lang="zh-CN" altLang="en-US"/>
-              <a:t>缓存序列化与反序列化</a:t>
-            </a:r>
-            <a:endParaRPr lang="zh-CN" altLang="en-US"/>
-          </a:p>
-          <a:p>
-            <a:r>
-              <a:rPr lang="zh-CN" altLang="en-US"/>
-              <a:t>进一步性能优化</a:t>
-            </a:r>
-            <a:endParaRPr lang="zh-CN" altLang="en-US"/>
-          </a:p>
-          <a:p>
-            <a:pPr lvl="1"/>
-            <a:r>
-              <a:rPr lang="zh-CN" altLang="en-US"/>
-              <a:t>分析型数据持久化</a:t>
-            </a:r>
-            <a:endParaRPr lang="zh-CN" altLang="en-US"/>
-          </a:p>
-          <a:p>
-            <a:pPr lvl="1"/>
-            <a:r>
-              <a:rPr lang="zh-CN" altLang="en-US"/>
-              <a:t>线程池与异步调用</a:t>
-            </a:r>
-            <a:endParaRPr lang="zh-CN" altLang="en-US"/>
-          </a:p>
-          <a:p>
-            <a:pPr lvl="1"/>
-            <a:endParaRPr lang="zh-CN" altLang="en-US"/>
-          </a:p>
-        </p:txBody>
-      </p:sp>
+      <p:pic>
+        <p:nvPicPr>
+          <p:cNvPr id="2" name="图片 1" descr="SE3 建模图"/>
+          <p:cNvPicPr>
+            <a:picLocks noChangeAspect="1"/>
+          </p:cNvPicPr>
+          <p:nvPr/>
+        </p:nvPicPr>
+        <p:blipFill>
+          <a:blip r:embed="rId1"/>
+          <a:stretch>
+            <a:fillRect/>
+          </a:stretch>
+        </p:blipFill>
+        <p:spPr>
+          <a:xfrm>
+            <a:off x="-42545" y="207645"/>
+            <a:ext cx="12445365" cy="6530340"/>
+          </a:xfrm>
+          <a:prstGeom prst="rect">
+            <a:avLst/>
+          </a:prstGeom>
+        </p:spPr>
+      </p:pic>
     </p:spTree>
   </p:cSld>
   <p:clrMapOvr>
@@ -3882,6 +4502,348 @@
   <p:clrMapOvr>
     <a:masterClrMapping/>
   </p:clrMapOvr>
+  <p:timing>
+    <p:tnLst>
+      <p:par>
+        <p:cTn id="1" dur="indefinite" restart="never" nodeType="tmRoot">
+          <p:childTnLst>
+            <p:seq concurrent="1" nextAc="seek">
+              <p:cTn id="2" dur="indefinite" nodeType="mainSeq">
+                <p:childTnLst>
+                  <p:par>
+                    <p:cTn id="3" fill="hold">
+                      <p:stCondLst>
+                        <p:cond delay="indefinite"/>
+                      </p:stCondLst>
+                      <p:childTnLst>
+                        <p:par>
+                          <p:cTn id="4" fill="hold">
+                            <p:stCondLst>
+                              <p:cond delay="0"/>
+                            </p:stCondLst>
+                            <p:childTnLst>
+                              <p:par>
+                                <p:cTn id="5" presetID="2" presetClass="entr" presetSubtype="4" fill="hold" grpId="0" nodeType="clickEffect">
+                                  <p:stCondLst>
+                                    <p:cond delay="0"/>
+                                  </p:stCondLst>
+                                  <p:childTnLst>
+                                    <p:set>
+                                      <p:cBhvr>
+                                        <p:cTn id="6" dur="1" fill="hold">
+                                          <p:stCondLst>
+                                            <p:cond delay="0"/>
+                                          </p:stCondLst>
+                                        </p:cTn>
+                                        <p:tgtEl>
+                                          <p:spTgt spid="3">
+                                            <p:txEl>
+                                              <p:pRg st="0" end="0"/>
+                                            </p:txEl>
+                                          </p:spTgt>
+                                        </p:tgtEl>
+                                        <p:attrNameLst>
+                                          <p:attrName>style.visibility</p:attrName>
+                                        </p:attrNameLst>
+                                      </p:cBhvr>
+                                      <p:to>
+                                        <p:strVal val="visible"/>
+                                      </p:to>
+                                    </p:set>
+                                    <p:anim calcmode="lin" valueType="num">
+                                      <p:cBhvr additive="base">
+                                        <p:cTn id="7" dur="500" fill="hold"/>
+                                        <p:tgtEl>
+                                          <p:spTgt spid="3">
+                                            <p:txEl>
+                                              <p:pRg st="0" end="0"/>
+                                            </p:txEl>
+                                          </p:spTgt>
+                                        </p:tgtEl>
+                                        <p:attrNameLst>
+                                          <p:attrName>ppt_x</p:attrName>
+                                        </p:attrNameLst>
+                                      </p:cBhvr>
+                                      <p:tavLst>
+                                        <p:tav tm="0">
+                                          <p:val>
+                                            <p:strVal val="#ppt_x"/>
+                                          </p:val>
+                                        </p:tav>
+                                        <p:tav tm="100000">
+                                          <p:val>
+                                            <p:strVal val="#ppt_x"/>
+                                          </p:val>
+                                        </p:tav>
+                                      </p:tavLst>
+                                    </p:anim>
+                                    <p:anim calcmode="lin" valueType="num">
+                                      <p:cBhvr additive="base">
+                                        <p:cTn id="8" dur="500" fill="hold"/>
+                                        <p:tgtEl>
+                                          <p:spTgt spid="3">
+                                            <p:txEl>
+                                              <p:pRg st="0" end="0"/>
+                                            </p:txEl>
+                                          </p:spTgt>
+                                        </p:tgtEl>
+                                        <p:attrNameLst>
+                                          <p:attrName>ppt_y</p:attrName>
+                                        </p:attrNameLst>
+                                      </p:cBhvr>
+                                      <p:tavLst>
+                                        <p:tav tm="0">
+                                          <p:val>
+                                            <p:strVal val="1+#ppt_h/2"/>
+                                          </p:val>
+                                        </p:tav>
+                                        <p:tav tm="100000">
+                                          <p:val>
+                                            <p:strVal val="#ppt_y"/>
+                                          </p:val>
+                                        </p:tav>
+                                      </p:tavLst>
+                                    </p:anim>
+                                  </p:childTnLst>
+                                </p:cTn>
+                              </p:par>
+                            </p:childTnLst>
+                          </p:cTn>
+                        </p:par>
+                      </p:childTnLst>
+                    </p:cTn>
+                  </p:par>
+                  <p:par>
+                    <p:cTn id="9" fill="hold">
+                      <p:stCondLst>
+                        <p:cond delay="indefinite"/>
+                      </p:stCondLst>
+                      <p:childTnLst>
+                        <p:par>
+                          <p:cTn id="10" fill="hold">
+                            <p:stCondLst>
+                              <p:cond delay="0"/>
+                            </p:stCondLst>
+                            <p:childTnLst>
+                              <p:par>
+                                <p:cTn id="11" presetID="2" presetClass="entr" presetSubtype="4" fill="hold" grpId="0" nodeType="clickEffect">
+                                  <p:stCondLst>
+                                    <p:cond delay="0"/>
+                                  </p:stCondLst>
+                                  <p:childTnLst>
+                                    <p:set>
+                                      <p:cBhvr>
+                                        <p:cTn id="12" dur="1" fill="hold">
+                                          <p:stCondLst>
+                                            <p:cond delay="0"/>
+                                          </p:stCondLst>
+                                        </p:cTn>
+                                        <p:tgtEl>
+                                          <p:spTgt spid="3">
+                                            <p:txEl>
+                                              <p:pRg st="1" end="1"/>
+                                            </p:txEl>
+                                          </p:spTgt>
+                                        </p:tgtEl>
+                                        <p:attrNameLst>
+                                          <p:attrName>style.visibility</p:attrName>
+                                        </p:attrNameLst>
+                                      </p:cBhvr>
+                                      <p:to>
+                                        <p:strVal val="visible"/>
+                                      </p:to>
+                                    </p:set>
+                                    <p:anim calcmode="lin" valueType="num">
+                                      <p:cBhvr additive="base">
+                                        <p:cTn id="13" dur="500" fill="hold"/>
+                                        <p:tgtEl>
+                                          <p:spTgt spid="3">
+                                            <p:txEl>
+                                              <p:pRg st="1" end="1"/>
+                                            </p:txEl>
+                                          </p:spTgt>
+                                        </p:tgtEl>
+                                        <p:attrNameLst>
+                                          <p:attrName>ppt_x</p:attrName>
+                                        </p:attrNameLst>
+                                      </p:cBhvr>
+                                      <p:tavLst>
+                                        <p:tav tm="0">
+                                          <p:val>
+                                            <p:strVal val="#ppt_x"/>
+                                          </p:val>
+                                        </p:tav>
+                                        <p:tav tm="100000">
+                                          <p:val>
+                                            <p:strVal val="#ppt_x"/>
+                                          </p:val>
+                                        </p:tav>
+                                      </p:tavLst>
+                                    </p:anim>
+                                    <p:anim calcmode="lin" valueType="num">
+                                      <p:cBhvr additive="base">
+                                        <p:cTn id="14" dur="500" fill="hold"/>
+                                        <p:tgtEl>
+                                          <p:spTgt spid="3">
+                                            <p:txEl>
+                                              <p:pRg st="1" end="1"/>
+                                            </p:txEl>
+                                          </p:spTgt>
+                                        </p:tgtEl>
+                                        <p:attrNameLst>
+                                          <p:attrName>ppt_y</p:attrName>
+                                        </p:attrNameLst>
+                                      </p:cBhvr>
+                                      <p:tavLst>
+                                        <p:tav tm="0">
+                                          <p:val>
+                                            <p:strVal val="1+#ppt_h/2"/>
+                                          </p:val>
+                                        </p:tav>
+                                        <p:tav tm="100000">
+                                          <p:val>
+                                            <p:strVal val="#ppt_y"/>
+                                          </p:val>
+                                        </p:tav>
+                                      </p:tavLst>
+                                    </p:anim>
+                                  </p:childTnLst>
+                                </p:cTn>
+                              </p:par>
+                            </p:childTnLst>
+                          </p:cTn>
+                        </p:par>
+                      </p:childTnLst>
+                    </p:cTn>
+                  </p:par>
+                  <p:par>
+                    <p:cTn id="15" fill="hold">
+                      <p:stCondLst>
+                        <p:cond delay="indefinite"/>
+                      </p:stCondLst>
+                      <p:childTnLst>
+                        <p:par>
+                          <p:cTn id="16" fill="hold">
+                            <p:stCondLst>
+                              <p:cond delay="0"/>
+                            </p:stCondLst>
+                            <p:childTnLst>
+                              <p:par>
+                                <p:cTn id="17" presetID="2" presetClass="entr" presetSubtype="4" fill="hold" grpId="0" nodeType="clickEffect">
+                                  <p:stCondLst>
+                                    <p:cond delay="0"/>
+                                  </p:stCondLst>
+                                  <p:childTnLst>
+                                    <p:set>
+                                      <p:cBhvr>
+                                        <p:cTn id="18" dur="1" fill="hold">
+                                          <p:stCondLst>
+                                            <p:cond delay="0"/>
+                                          </p:stCondLst>
+                                        </p:cTn>
+                                        <p:tgtEl>
+                                          <p:spTgt spid="3">
+                                            <p:txEl>
+                                              <p:pRg st="2" end="2"/>
+                                            </p:txEl>
+                                          </p:spTgt>
+                                        </p:tgtEl>
+                                        <p:attrNameLst>
+                                          <p:attrName>style.visibility</p:attrName>
+                                        </p:attrNameLst>
+                                      </p:cBhvr>
+                                      <p:to>
+                                        <p:strVal val="visible"/>
+                                      </p:to>
+                                    </p:set>
+                                    <p:anim calcmode="lin" valueType="num">
+                                      <p:cBhvr additive="base">
+                                        <p:cTn id="19" dur="500" fill="hold"/>
+                                        <p:tgtEl>
+                                          <p:spTgt spid="3">
+                                            <p:txEl>
+                                              <p:pRg st="2" end="2"/>
+                                            </p:txEl>
+                                          </p:spTgt>
+                                        </p:tgtEl>
+                                        <p:attrNameLst>
+                                          <p:attrName>ppt_x</p:attrName>
+                                        </p:attrNameLst>
+                                      </p:cBhvr>
+                                      <p:tavLst>
+                                        <p:tav tm="0">
+                                          <p:val>
+                                            <p:strVal val="#ppt_x"/>
+                                          </p:val>
+                                        </p:tav>
+                                        <p:tav tm="100000">
+                                          <p:val>
+                                            <p:strVal val="#ppt_x"/>
+                                          </p:val>
+                                        </p:tav>
+                                      </p:tavLst>
+                                    </p:anim>
+                                    <p:anim calcmode="lin" valueType="num">
+                                      <p:cBhvr additive="base">
+                                        <p:cTn id="20" dur="500" fill="hold"/>
+                                        <p:tgtEl>
+                                          <p:spTgt spid="3">
+                                            <p:txEl>
+                                              <p:pRg st="2" end="2"/>
+                                            </p:txEl>
+                                          </p:spTgt>
+                                        </p:tgtEl>
+                                        <p:attrNameLst>
+                                          <p:attrName>ppt_y</p:attrName>
+                                        </p:attrNameLst>
+                                      </p:cBhvr>
+                                      <p:tavLst>
+                                        <p:tav tm="0">
+                                          <p:val>
+                                            <p:strVal val="1+#ppt_h/2"/>
+                                          </p:val>
+                                        </p:tav>
+                                        <p:tav tm="100000">
+                                          <p:val>
+                                            <p:strVal val="#ppt_y"/>
+                                          </p:val>
+                                        </p:tav>
+                                      </p:tavLst>
+                                    </p:anim>
+                                  </p:childTnLst>
+                                </p:cTn>
+                              </p:par>
+                            </p:childTnLst>
+                          </p:cTn>
+                        </p:par>
+                      </p:childTnLst>
+                    </p:cTn>
+                  </p:par>
+                </p:childTnLst>
+              </p:cTn>
+              <p:prevCondLst>
+                <p:cond evt="onPrev" delay="0">
+                  <p:tgtEl>
+                    <p:sldTgt/>
+                  </p:tgtEl>
+                </p:cond>
+              </p:prevCondLst>
+              <p:nextCondLst>
+                <p:cond evt="onNext" delay="0">
+                  <p:tgtEl>
+                    <p:sldTgt/>
+                  </p:tgtEl>
+                </p:cond>
+              </p:nextCondLst>
+            </p:seq>
+          </p:childTnLst>
+        </p:cTn>
+      </p:par>
+    </p:tnLst>
+    <p:bldLst>
+      <p:bldP spid="3" grpId="0" build="p"/>
+    </p:bldLst>
+  </p:timing>
 </p:sld>
 </file>
 
